--- a/Document/4_수정중/Software Requirements Specification 재고소진약품관리.pptx
+++ b/Document/4_수정중/Software Requirements Specification 재고소진약품관리.pptx
@@ -19884,7 +19884,7 @@
           <p:nvPr>
             <p:extLst>
               <p:ext uri="{D42A27DB-BD31-4B8C-83A1-F6EECF244321}">
-                <p14:modId xmlns:p14="http://schemas.microsoft.com/office/powerpoint/2010/main" val="400993115"/>
+                <p14:modId xmlns:p14="http://schemas.microsoft.com/office/powerpoint/2010/main" val="1966126958"/>
               </p:ext>
             </p:extLst>
           </p:nvPr>
@@ -21294,7 +21294,127 @@
                           <a:cs typeface="Malgun Gothic"/>
                           <a:sym typeface="Malgun Gothic"/>
                         </a:rPr>
-                        <a:t>단위로 표시하여 그림과 함께 출력한 후</a:t>
+                        <a:t>단위로 표시하여 출력한다</a:t>
+                      </a:r>
+                      <a:r>
+                        <a:rPr lang="en-US" altLang="ko-KR" sz="1100" b="0" i="0" u="none" strike="noStrike" cap="none" dirty="0">
+                          <a:solidFill>
+                            <a:schemeClr val="dk1"/>
+                          </a:solidFill>
+                          <a:latin typeface="Malgun Gothic"/>
+                          <a:ea typeface="Malgun Gothic"/>
+                          <a:cs typeface="Malgun Gothic"/>
+                          <a:sym typeface="Malgun Gothic"/>
+                        </a:rPr>
+                        <a:t>. </a:t>
+                      </a:r>
+                      <a:r>
+                        <a:rPr lang="ko-KR" altLang="en-US" sz="1100" b="0" i="0" u="none" strike="noStrike" cap="none" dirty="0">
+                          <a:solidFill>
+                            <a:schemeClr val="dk1"/>
+                          </a:solidFill>
+                          <a:latin typeface="Malgun Gothic"/>
+                          <a:ea typeface="Malgun Gothic"/>
+                          <a:cs typeface="Malgun Gothic"/>
+                          <a:sym typeface="Malgun Gothic"/>
+                        </a:rPr>
+                        <a:t>이때</a:t>
+                      </a:r>
+                      <a:r>
+                        <a:rPr lang="en-US" altLang="ko-KR" sz="1100" b="0" i="0" u="none" strike="noStrike" cap="none" dirty="0">
+                          <a:solidFill>
+                            <a:schemeClr val="dk1"/>
+                          </a:solidFill>
+                          <a:latin typeface="Malgun Gothic"/>
+                          <a:ea typeface="Malgun Gothic"/>
+                          <a:cs typeface="Malgun Gothic"/>
+                          <a:sym typeface="Malgun Gothic"/>
+                        </a:rPr>
+                        <a:t>, </a:t>
+                      </a:r>
+                      <a:r>
+                        <a:rPr lang="ko-KR" altLang="en-US" sz="1100" b="0" i="0" u="none" strike="noStrike" cap="none" dirty="0">
+                          <a:solidFill>
+                            <a:schemeClr val="dk1"/>
+                          </a:solidFill>
+                          <a:latin typeface="Malgun Gothic"/>
+                          <a:ea typeface="Malgun Gothic"/>
+                          <a:cs typeface="Malgun Gothic"/>
+                          <a:sym typeface="Malgun Gothic"/>
+                        </a:rPr>
+                        <a:t>남은 양이 </a:t>
+                      </a:r>
+                      <a:r>
+                        <a:rPr lang="en-US" altLang="ko-KR" sz="1100" b="0" i="0" u="none" strike="noStrike" cap="none" dirty="0">
+                          <a:solidFill>
+                            <a:schemeClr val="dk1"/>
+                          </a:solidFill>
+                          <a:latin typeface="Malgun Gothic"/>
+                          <a:ea typeface="Malgun Gothic"/>
+                          <a:cs typeface="Malgun Gothic"/>
+                          <a:sym typeface="Malgun Gothic"/>
+                        </a:rPr>
+                        <a:t>20%</a:t>
+                      </a:r>
+                      <a:r>
+                        <a:rPr lang="ko-KR" altLang="en-US" sz="1100" b="0" i="0" u="none" strike="noStrike" cap="none" dirty="0">
+                          <a:solidFill>
+                            <a:schemeClr val="dk1"/>
+                          </a:solidFill>
+                          <a:latin typeface="Malgun Gothic"/>
+                          <a:ea typeface="Malgun Gothic"/>
+                          <a:cs typeface="Malgun Gothic"/>
+                          <a:sym typeface="Malgun Gothic"/>
+                        </a:rPr>
+                        <a:t>미만일 경우 </a:t>
+                      </a:r>
+                      <a:r>
+                        <a:rPr lang="en-US" altLang="ko-KR" sz="1100" b="0" i="0" u="none" strike="noStrike" cap="none" dirty="0">
+                          <a:solidFill>
+                            <a:schemeClr val="dk1"/>
+                          </a:solidFill>
+                          <a:latin typeface="Malgun Gothic"/>
+                          <a:ea typeface="Malgun Gothic"/>
+                          <a:cs typeface="Malgun Gothic"/>
+                          <a:sym typeface="Malgun Gothic"/>
+                        </a:rPr>
+                        <a:t>“</a:t>
+                      </a:r>
+                      <a:r>
+                        <a:rPr lang="ko-KR" altLang="en-US" sz="1100" b="0" i="0" u="none" strike="noStrike" cap="none" dirty="0">
+                          <a:solidFill>
+                            <a:schemeClr val="dk1"/>
+                          </a:solidFill>
+                          <a:latin typeface="Malgun Gothic"/>
+                          <a:ea typeface="Malgun Gothic"/>
+                          <a:cs typeface="Malgun Gothic"/>
+                          <a:sym typeface="Malgun Gothic"/>
+                        </a:rPr>
+                        <a:t>약품이 얼마 남지 않았습니다</a:t>
+                      </a:r>
+                      <a:r>
+                        <a:rPr lang="en-US" altLang="ko-KR" sz="1100" b="0" i="0" u="none" strike="noStrike" cap="none" dirty="0">
+                          <a:solidFill>
+                            <a:schemeClr val="dk1"/>
+                          </a:solidFill>
+                          <a:latin typeface="Malgun Gothic"/>
+                          <a:ea typeface="Malgun Gothic"/>
+                          <a:cs typeface="Malgun Gothic"/>
+                          <a:sym typeface="Malgun Gothic"/>
+                        </a:rPr>
+                        <a:t>.” </a:t>
+                      </a:r>
+                      <a:r>
+                        <a:rPr lang="ko-KR" altLang="en-US" sz="1100" b="0" i="0" u="none" strike="noStrike" cap="none" dirty="0">
+                          <a:solidFill>
+                            <a:schemeClr val="dk1"/>
+                          </a:solidFill>
+                          <a:latin typeface="Malgun Gothic"/>
+                          <a:ea typeface="Malgun Gothic"/>
+                          <a:cs typeface="Malgun Gothic"/>
+                          <a:sym typeface="Malgun Gothic"/>
+                        </a:rPr>
+                        <a:t>라는 메시지를 출력하고</a:t>
                       </a:r>
                       <a:r>
                         <a:rPr lang="en-US" altLang="ko-KR" sz="1100" b="0" i="0" u="none" strike="noStrike" cap="none" dirty="0">
